--- a/DAA 10.pptx
+++ b/DAA 10.pptx
@@ -5,10 +5,10 @@
     <p:sldMasterId id="2147483870" r:id="rId1"/>
   </p:sldMasterIdLst>
   <p:notesMasterIdLst>
-    <p:notesMasterId r:id="rId11"/>
+    <p:notesMasterId r:id="rId12"/>
   </p:notesMasterIdLst>
   <p:handoutMasterIdLst>
-    <p:handoutMasterId r:id="rId12"/>
+    <p:handoutMasterId r:id="rId13"/>
   </p:handoutMasterIdLst>
   <p:sldIdLst>
     <p:sldId id="390" r:id="rId2"/>
@@ -19,7 +19,8 @@
     <p:sldId id="420" r:id="rId7"/>
     <p:sldId id="421" r:id="rId8"/>
     <p:sldId id="422" r:id="rId9"/>
-    <p:sldId id="374" r:id="rId10"/>
+    <p:sldId id="423" r:id="rId10"/>
+    <p:sldId id="374" r:id="rId11"/>
   </p:sldIdLst>
   <p:sldSz cx="12192000" cy="6858000"/>
   <p:notesSz cx="7315200" cy="9601200"/>
@@ -120,7 +121,7 @@
   </p:defaultTextStyle>
   <p:extLst>
     <p:ext uri="{EFAFB233-063F-42B5-8137-9DF3F51BA10A}">
-      <p15:sldGuideLst xmlns="" xmlns:p15="http://schemas.microsoft.com/office/powerpoint/2012/main">
+      <p15:sldGuideLst xmlns:p15="http://schemas.microsoft.com/office/powerpoint/2012/main" xmlns="">
         <p15:guide id="1" orient="horz" pos="2160">
           <p15:clr>
             <a:srgbClr val="A4A3A4"/>
@@ -134,7 +135,7 @@
       </p15:sldGuideLst>
     </p:ext>
     <p:ext uri="{2D200454-40CA-4A62-9FC3-DE9A4176ACB9}">
-      <p15:notesGuideLst xmlns="" xmlns:p15="http://schemas.microsoft.com/office/powerpoint/2012/main">
+      <p15:notesGuideLst xmlns:p15="http://schemas.microsoft.com/office/powerpoint/2012/main" xmlns="">
         <p15:guide id="1" orient="horz" pos="3024">
           <p15:clr>
             <a:srgbClr val="A4A3A4"/>
@@ -234,7 +235,7 @@
             <a:fld id="{C5EE45E9-197A-47B1-AEF3-F977D17F169E}" type="datetimeFigureOut">
               <a:rPr lang="en-US" smtClean="0"/>
               <a:pPr/>
-              <a:t>2/25/2024</a:t>
+              <a:t>2/26/2024</a:t>
             </a:fld>
             <a:endParaRPr lang="en-US"/>
           </a:p>
@@ -401,7 +402,7 @@
             <a:fld id="{5DAE0583-90E0-4DC7-97CC-66F8E7253EC8}" type="datetimeFigureOut">
               <a:rPr lang="en-US" smtClean="0"/>
               <a:pPr/>
-              <a:t>2/25/2024</a:t>
+              <a:t>2/26/2024</a:t>
             </a:fld>
             <a:endParaRPr lang="en-US"/>
           </a:p>
@@ -1416,7 +1417,7 @@
             <a:fld id="{2B7B289A-B170-474C-83BE-E43F8EECF514}" type="datetime1">
               <a:rPr lang="en-US" smtClean="0"/>
               <a:pPr/>
-              <a:t>2/25/2024</a:t>
+              <a:t>2/26/2024</a:t>
             </a:fld>
             <a:endParaRPr lang="en-US" dirty="0"/>
           </a:p>
@@ -1679,7 +1680,7 @@
             <a:fld id="{EE82F729-F9EB-46E1-B6CA-A9DC3E44D512}" type="datetime1">
               <a:rPr lang="en-US" smtClean="0"/>
               <a:pPr/>
-              <a:t>2/25/2024</a:t>
+              <a:t>2/26/2024</a:t>
             </a:fld>
             <a:endParaRPr lang="en-US" dirty="0"/>
           </a:p>
@@ -2003,7 +2004,7 @@
             <a:fld id="{EE82F729-F9EB-46E1-B6CA-A9DC3E44D512}" type="datetime1">
               <a:rPr lang="en-US" smtClean="0"/>
               <a:pPr/>
-              <a:t>2/25/2024</a:t>
+              <a:t>2/26/2024</a:t>
             </a:fld>
             <a:endParaRPr lang="en-US" dirty="0"/>
           </a:p>
@@ -2346,7 +2347,7 @@
             <a:fld id="{EE82F729-F9EB-46E1-B6CA-A9DC3E44D512}" type="datetime1">
               <a:rPr lang="en-US" smtClean="0"/>
               <a:pPr/>
-              <a:t>2/25/2024</a:t>
+              <a:t>2/26/2024</a:t>
             </a:fld>
             <a:endParaRPr lang="en-US" dirty="0"/>
           </a:p>
@@ -2670,7 +2671,7 @@
             <a:fld id="{EE82F729-F9EB-46E1-B6CA-A9DC3E44D512}" type="datetime1">
               <a:rPr lang="en-US" smtClean="0"/>
               <a:pPr/>
-              <a:t>2/25/2024</a:t>
+              <a:t>2/26/2024</a:t>
             </a:fld>
             <a:endParaRPr lang="en-US" dirty="0"/>
           </a:p>
@@ -3073,7 +3074,7 @@
             <a:fld id="{EE82F729-F9EB-46E1-B6CA-A9DC3E44D512}" type="datetime1">
               <a:rPr lang="en-US" smtClean="0"/>
               <a:pPr/>
-              <a:t>2/25/2024</a:t>
+              <a:t>2/26/2024</a:t>
             </a:fld>
             <a:endParaRPr lang="en-US" dirty="0"/>
           </a:p>
@@ -3253,7 +3254,7 @@
             <a:fld id="{5A08E5B7-8E49-49B7-9AF5-D247E978963C}" type="datetime1">
               <a:rPr lang="en-US" smtClean="0"/>
               <a:pPr/>
-              <a:t>2/25/2024</a:t>
+              <a:t>2/26/2024</a:t>
             </a:fld>
             <a:endParaRPr lang="en-US" dirty="0"/>
           </a:p>
@@ -3445,7 +3446,7 @@
             <a:fld id="{9C053B17-04CC-42A2-A241-5129679C85A6}" type="datetime1">
               <a:rPr lang="en-US" smtClean="0"/>
               <a:pPr/>
-              <a:t>2/25/2024</a:t>
+              <a:t>2/26/2024</a:t>
             </a:fld>
             <a:endParaRPr lang="en-US" dirty="0"/>
           </a:p>
@@ -3627,7 +3628,7 @@
             <a:fld id="{71B1DC2A-56D1-4C31-9B84-F9D15B143A33}" type="datetime1">
               <a:rPr lang="en-US" smtClean="0"/>
               <a:pPr/>
-              <a:t>2/25/2024</a:t>
+              <a:t>2/26/2024</a:t>
             </a:fld>
             <a:endParaRPr lang="en-US" dirty="0"/>
           </a:p>
@@ -3886,7 +3887,7 @@
             <a:fld id="{F7B65DBE-61D1-4D82-8498-7BFFAD803BD2}" type="datetime1">
               <a:rPr lang="en-US" smtClean="0"/>
               <a:pPr/>
-              <a:t>2/25/2024</a:t>
+              <a:t>2/26/2024</a:t>
             </a:fld>
             <a:endParaRPr lang="en-US" dirty="0"/>
           </a:p>
@@ -4130,7 +4131,7 @@
             <a:fld id="{124BA780-7598-4459-A56B-D5F18339AB95}" type="datetime1">
               <a:rPr lang="en-US" smtClean="0"/>
               <a:pPr/>
-              <a:t>2/25/2024</a:t>
+              <a:t>2/26/2024</a:t>
             </a:fld>
             <a:endParaRPr lang="en-US" dirty="0"/>
           </a:p>
@@ -4516,7 +4517,7 @@
             <a:fld id="{5A6A054B-9EDA-43CD-B58C-33F3FA6837D0}" type="datetime1">
               <a:rPr lang="en-US" smtClean="0"/>
               <a:pPr/>
-              <a:t>2/25/2024</a:t>
+              <a:t>2/26/2024</a:t>
             </a:fld>
             <a:endParaRPr lang="en-US" dirty="0"/>
           </a:p>
@@ -4651,7 +4652,7 @@
             <a:fld id="{1FBCB103-F5FD-428B-B1C8-7D2EEAB33FFC}" type="datetime1">
               <a:rPr lang="en-US" smtClean="0"/>
               <a:pPr/>
-              <a:t>2/25/2024</a:t>
+              <a:t>2/26/2024</a:t>
             </a:fld>
             <a:endParaRPr lang="en-US" dirty="0"/>
           </a:p>
@@ -4758,7 +4759,7 @@
             <a:fld id="{99EC991E-AB61-4D79-94B3-8A4F23AC4641}" type="datetime1">
               <a:rPr lang="en-US" smtClean="0"/>
               <a:pPr/>
-              <a:t>2/25/2024</a:t>
+              <a:t>2/26/2024</a:t>
             </a:fld>
             <a:endParaRPr lang="en-US" dirty="0"/>
           </a:p>
@@ -5025,7 +5026,7 @@
             <a:fld id="{F56C0871-8C3E-4CBE-9C42-C92608223F22}" type="datetime1">
               <a:rPr lang="en-US" smtClean="0"/>
               <a:pPr/>
-              <a:t>2/25/2024</a:t>
+              <a:t>2/26/2024</a:t>
             </a:fld>
             <a:endParaRPr lang="en-US" dirty="0"/>
           </a:p>
@@ -5343,7 +5344,7 @@
             <a:fld id="{6661CC78-3771-4E36-859D-28880DA8B573}" type="datetime1">
               <a:rPr lang="en-US" smtClean="0"/>
               <a:pPr/>
-              <a:t>2/25/2024</a:t>
+              <a:t>2/26/2024</a:t>
             </a:fld>
             <a:endParaRPr lang="en-US" dirty="0"/>
           </a:p>
@@ -6056,7 +6057,7 @@
             <a:fld id="{EE82F729-F9EB-46E1-B6CA-A9DC3E44D512}" type="datetime1">
               <a:rPr lang="en-US" smtClean="0"/>
               <a:pPr/>
-              <a:t>2/25/2024</a:t>
+              <a:t>2/26/2024</a:t>
             </a:fld>
             <a:endParaRPr lang="en-US" dirty="0"/>
           </a:p>
@@ -6750,6 +6751,107 @@
 </p:sld>
 </file>
 
+<file path=ppt/slides/slide10.xml><?xml version="1.0" encoding="utf-8"?>
+<p:sld xmlns:a="http://schemas.openxmlformats.org/drawingml/2006/main" xmlns:r="http://schemas.openxmlformats.org/officeDocument/2006/relationships" xmlns:p="http://schemas.openxmlformats.org/presentationml/2006/main">
+  <p:cSld>
+    <p:spTree>
+      <p:nvGrpSpPr>
+        <p:cNvPr id="1" name=""/>
+        <p:cNvGrpSpPr/>
+        <p:nvPr/>
+      </p:nvGrpSpPr>
+      <p:grpSpPr>
+        <a:xfrm>
+          <a:off x="0" y="0"/>
+          <a:ext cx="0" cy="0"/>
+          <a:chOff x="0" y="0"/>
+          <a:chExt cx="0" cy="0"/>
+        </a:xfrm>
+      </p:grpSpPr>
+      <p:sp>
+        <p:nvSpPr>
+          <p:cNvPr id="2" name="Title 1"/>
+          <p:cNvSpPr>
+            <a:spLocks noGrp="1"/>
+          </p:cNvSpPr>
+          <p:nvPr>
+            <p:ph type="title"/>
+          </p:nvPr>
+        </p:nvSpPr>
+        <p:spPr>
+          <a:xfrm>
+            <a:off x="1012318" y="950680"/>
+            <a:ext cx="8911687" cy="4483467"/>
+          </a:xfrm>
+        </p:spPr>
+        <p:txBody>
+          <a:bodyPr>
+            <a:normAutofit/>
+          </a:bodyPr>
+          <a:lstStyle/>
+          <a:p>
+            <a:pPr algn="ctr"/>
+            <a:r>
+              <a:rPr lang="en-US" sz="9600" dirty="0" smtClean="0"/>
+              <a:t/>
+            </a:r>
+            <a:br>
+              <a:rPr lang="en-US" sz="9600" dirty="0" smtClean="0"/>
+            </a:br>
+            <a:r>
+              <a:rPr lang="en-US" sz="11500" dirty="0" smtClean="0">
+                <a:latin typeface="Curlz MT" pitchFamily="82" charset="0"/>
+              </a:rPr>
+              <a:t>Thank You</a:t>
+            </a:r>
+            <a:endParaRPr lang="en-US" sz="9600" dirty="0">
+              <a:latin typeface="Curlz MT" pitchFamily="82" charset="0"/>
+            </a:endParaRPr>
+          </a:p>
+        </p:txBody>
+      </p:sp>
+      <p:sp>
+        <p:nvSpPr>
+          <p:cNvPr id="3" name="Slide Number Placeholder 2"/>
+          <p:cNvSpPr>
+            <a:spLocks noGrp="1"/>
+          </p:cNvSpPr>
+          <p:nvPr>
+            <p:ph type="sldNum" sz="quarter" idx="12"/>
+          </p:nvPr>
+        </p:nvSpPr>
+        <p:spPr/>
+        <p:txBody>
+          <a:bodyPr/>
+          <a:lstStyle/>
+          <a:p>
+            <a:fld id="{D57F1E4F-1CFF-5643-939E-217C01CDF565}" type="slidenum">
+              <a:rPr lang="en-US" smtClean="0"/>
+              <a:pPr/>
+              <a:t>10</a:t>
+            </a:fld>
+            <a:endParaRPr lang="en-US" dirty="0"/>
+          </a:p>
+        </p:txBody>
+      </p:sp>
+    </p:spTree>
+  </p:cSld>
+  <p:clrMapOvr>
+    <a:masterClrMapping/>
+  </p:clrMapOvr>
+  <p:transition>
+    <p:comb dir="vert"/>
+  </p:transition>
+  <p:timing>
+    <p:tnLst>
+      <p:par>
+        <p:cTn id="1" dur="indefinite" restart="never" nodeType="tmRoot"/>
+      </p:par>
+    </p:tnLst>
+  </p:timing>
+</p:sld>
+</file>
+
 <file path=ppt/slides/slide2.xml><?xml version="1.0" encoding="utf-8"?>
 <p:sld xmlns:a="http://schemas.openxmlformats.org/drawingml/2006/main" xmlns:r="http://schemas.openxmlformats.org/officeDocument/2006/relationships" xmlns:p="http://schemas.openxmlformats.org/presentationml/2006/main">
   <p:cSld>
@@ -6940,29 +7042,7 @@
                 <a:ea typeface="+mn-ea"/>
                 <a:cs typeface="+mn-cs"/>
               </a:rPr>
-              <a:t>H</a:t>
-            </a:r>
-            <a:r>
-              <a:rPr lang="en-US" sz="3200" b="1" dirty="0">
-                <a:solidFill>
-                  <a:schemeClr val="tx1"/>
-                </a:solidFill>
-                <a:latin typeface="+mn-lt"/>
-                <a:ea typeface="+mn-ea"/>
-                <a:cs typeface="+mn-cs"/>
-              </a:rPr>
-              <a:t>ow </a:t>
-            </a:r>
-            <a:r>
-              <a:rPr lang="en-US" sz="3200" b="1" dirty="0">
-                <a:solidFill>
-                  <a:schemeClr val="tx1"/>
-                </a:solidFill>
-                <a:latin typeface="+mn-lt"/>
-                <a:ea typeface="+mn-ea"/>
-                <a:cs typeface="+mn-cs"/>
-              </a:rPr>
-              <a:t>linear search works</a:t>
+              <a:t>How linear search works</a:t>
             </a:r>
             <a:r>
               <a:rPr lang="en-US" sz="3200" b="1" dirty="0" smtClean="0">
@@ -7073,7 +7153,6 @@
               <a:rPr lang="en-US" sz="3200" dirty="0"/>
               <a:t>. If the end of the collection is reached without finding a match, return a special value (e.g., -1) to indicate that the target value is not present.</a:t>
             </a:r>
-            <a:endParaRPr lang="en-US" sz="3200" dirty="0"/>
           </a:p>
         </p:txBody>
       </p:sp>
@@ -7218,11 +7297,6 @@
               </a:rPr>
               <a:t>Importance of linear search:</a:t>
             </a:r>
-            <a:endParaRPr lang="en-US" sz="4000" b="1" dirty="0">
-              <a:solidFill>
-                <a:schemeClr val="tx1"/>
-              </a:solidFill>
-            </a:endParaRPr>
           </a:p>
         </p:txBody>
       </p:sp>
@@ -7451,10 +7525,6 @@
               </a:rPr>
               <a:t>Linear search has a space complexity of O(1), meaning that it requires a constant amount of additional memory regardless of the size of the collection.</a:t>
             </a:r>
-            <a:endParaRPr lang="en-US" sz="2800" dirty="0">
-              <a:latin typeface="Times New Roman" pitchFamily="18" charset="0"/>
-              <a:cs typeface="Times New Roman" pitchFamily="18" charset="0"/>
-            </a:endParaRPr>
           </a:p>
         </p:txBody>
       </p:sp>
@@ -7545,7 +7615,6 @@
               <a:rPr lang="en-US" sz="3200" dirty="0"/>
               <a:t>Linear search can be used on unsorted collections, but it does not take advantage of any ordering within the collection.</a:t>
             </a:r>
-            <a:endParaRPr lang="en-US" sz="3200" dirty="0"/>
           </a:p>
         </p:txBody>
       </p:sp>
@@ -7977,33 +8046,20 @@
         </p:nvSpPr>
         <p:spPr>
           <a:xfrm>
-            <a:off x="1012318" y="950680"/>
-            <a:ext cx="8911687" cy="4483467"/>
+            <a:off x="1064195" y="2356338"/>
+            <a:ext cx="8596668" cy="1320800"/>
           </a:xfrm>
         </p:spPr>
         <p:txBody>
           <a:bodyPr>
-            <a:normAutofit/>
+            <a:normAutofit fontScale="90000"/>
           </a:bodyPr>
           <a:lstStyle/>
           <a:p>
-            <a:pPr algn="ctr"/>
-            <a:r>
-              <a:rPr lang="en-US" sz="9600" dirty="0" smtClean="0"/>
-              <a:t/>
-            </a:r>
-            <a:br>
-              <a:rPr lang="en-US" sz="9600" dirty="0" smtClean="0"/>
-            </a:br>
-            <a:r>
-              <a:rPr lang="en-US" sz="11500" dirty="0" smtClean="0">
-                <a:latin typeface="Curlz MT" pitchFamily="82" charset="0"/>
-              </a:rPr>
-              <a:t>Thank You</a:t>
-            </a:r>
-            <a:endParaRPr lang="en-US" sz="9600" dirty="0">
-              <a:latin typeface="Curlz MT" pitchFamily="82" charset="0"/>
-            </a:endParaRPr>
+            <a:r>
+              <a:rPr lang="en-US" dirty="0"/>
+              <a:t>https://colab.research.google.com/drive/1_qL5fCyBXfc6rsKxEQh0V0PLFYN13CuA?usp=sharing</a:t>
+            </a:r>
           </a:p>
         </p:txBody>
       </p:sp>
@@ -8032,20 +8088,18 @@
         </p:txBody>
       </p:sp>
     </p:spTree>
+    <p:extLst>
+      <p:ext uri="{BB962C8B-B14F-4D97-AF65-F5344CB8AC3E}">
+        <p14:creationId xmlns:p14="http://schemas.microsoft.com/office/powerpoint/2010/main" val="3706356568"/>
+      </p:ext>
+    </p:extLst>
   </p:cSld>
   <p:clrMapOvr>
     <a:masterClrMapping/>
   </p:clrMapOvr>
   <p:transition>
-    <p:comb dir="vert"/>
+    <p:wedge/>
   </p:transition>
-  <p:timing>
-    <p:tnLst>
-      <p:par>
-        <p:cTn id="1" dur="indefinite" restart="never" nodeType="tmRoot"/>
-      </p:par>
-    </p:tnLst>
-  </p:timing>
 </p:sld>
 </file>
 
@@ -8300,7 +8354,7 @@
   <a:extraClrSchemeLst/>
   <a:extLst>
     <a:ext uri="{05A4C25C-085E-4340-85A3-A5531E510DB2}">
-      <thm15:themeFamily xmlns="" xmlns:thm15="http://schemas.microsoft.com/office/thememl/2012/main" name="Facet" id="{C0C680CD-088A-49FC-A102-D699147F32B2}" vid="{0B5AB586-D108-4FC1-8368-649FE654B894}"/>
+      <thm15:themeFamily xmlns:thm15="http://schemas.microsoft.com/office/thememl/2012/main" xmlns="" name="Facet" id="{C0C680CD-088A-49FC-A102-D699147F32B2}" vid="{0B5AB586-D108-4FC1-8368-649FE654B894}"/>
     </a:ext>
   </a:extLst>
 </a:theme>
@@ -8561,7 +8615,7 @@
   <a:extraClrSchemeLst/>
   <a:extLst>
     <a:ext uri="{05A4C25C-085E-4340-85A3-A5531E510DB2}">
-      <thm15:themeFamily xmlns="" xmlns:thm15="http://schemas.microsoft.com/office/thememl/2012/main" name="Office Theme" id="{62F939B6-93AF-4DB8-9C6B-D6C7DFDC589F}" vid="{4A3C46E8-61CC-4603-A589-7422A47A8E4A}"/>
+      <thm15:themeFamily xmlns:thm15="http://schemas.microsoft.com/office/thememl/2012/main" xmlns="" name="Office Theme" id="{62F939B6-93AF-4DB8-9C6B-D6C7DFDC589F}" vid="{4A3C46E8-61CC-4603-A589-7422A47A8E4A}"/>
     </a:ext>
   </a:extLst>
 </a:theme>
@@ -8822,7 +8876,7 @@
   <a:extraClrSchemeLst/>
   <a:extLst>
     <a:ext uri="{05A4C25C-085E-4340-85A3-A5531E510DB2}">
-      <thm15:themeFamily xmlns="" xmlns:thm15="http://schemas.microsoft.com/office/thememl/2012/main" name="Office Theme" id="{62F939B6-93AF-4DB8-9C6B-D6C7DFDC589F}" vid="{4A3C46E8-61CC-4603-A589-7422A47A8E4A}"/>
+      <thm15:themeFamily xmlns:thm15="http://schemas.microsoft.com/office/thememl/2012/main" xmlns="" name="Office Theme" id="{62F939B6-93AF-4DB8-9C6B-D6C7DFDC589F}" vid="{4A3C46E8-61CC-4603-A589-7422A47A8E4A}"/>
     </a:ext>
   </a:extLst>
 </a:theme>
